--- a/Documentation/CI Pipeline.pptx
+++ b/Documentation/CI Pipeline.pptx
@@ -104,6 +104,11 @@
       </a:defRPr>
     </a:lvl9pPr>
   </p:defaultTextStyle>
+  <p:extLst>
+    <p:ext uri="{EFAFB233-063F-42B5-8137-9DF3F51BA10A}">
+      <p15:sldGuideLst xmlns:p15="http://schemas.microsoft.com/office/powerpoint/2012/main"/>
+    </p:ext>
+  </p:extLst>
 </p:presentation>
 </file>
 
@@ -3344,10 +3349,10 @@
       </p:grpSpPr>
       <p:grpSp>
         <p:nvGrpSpPr>
-          <p:cNvPr id="65" name="Group 64">
-            <a:extLst>
-              <a:ext uri="{FF2B5EF4-FFF2-40B4-BE49-F238E27FC236}">
-                <a16:creationId xmlns:a16="http://schemas.microsoft.com/office/drawing/2014/main" id="{B8EBF1B8-5B33-3644-89AB-2377B8D393EF}"/>
+          <p:cNvPr id="49" name="Group 48">
+            <a:extLst>
+              <a:ext uri="{FF2B5EF4-FFF2-40B4-BE49-F238E27FC236}">
+                <a16:creationId xmlns:a16="http://schemas.microsoft.com/office/drawing/2014/main" id="{014E9219-377F-5C4F-8389-104790C2CC21}"/>
               </a:ext>
             </a:extLst>
           </p:cNvPr>
@@ -3356,10 +3361,10 @@
         </p:nvGrpSpPr>
         <p:grpSpPr>
           <a:xfrm>
-            <a:off x="512702" y="431847"/>
-            <a:ext cx="9139882" cy="6076201"/>
-            <a:chOff x="512702" y="431847"/>
-            <a:chExt cx="9139882" cy="6076201"/>
+            <a:off x="420238" y="431847"/>
+            <a:ext cx="10647803" cy="6109580"/>
+            <a:chOff x="420238" y="431847"/>
+            <a:chExt cx="10647803" cy="6109580"/>
           </a:xfrm>
         </p:grpSpPr>
         <p:pic>
@@ -3383,7 +3388,7 @@
           </p:blipFill>
           <p:spPr>
             <a:xfrm>
-              <a:off x="4892001" y="495887"/>
+              <a:off x="5799807" y="495887"/>
               <a:ext cx="1059562" cy="1001618"/>
             </a:xfrm>
             <a:prstGeom prst="rect">
@@ -3412,7 +3417,7 @@
           </p:blipFill>
           <p:spPr>
             <a:xfrm>
-              <a:off x="7686675" y="797560"/>
+              <a:off x="9102132" y="786883"/>
               <a:ext cx="1965909" cy="670052"/>
             </a:xfrm>
             <a:prstGeom prst="rect">
@@ -3442,7 +3447,7 @@
           </p:blipFill>
           <p:spPr>
             <a:xfrm>
-              <a:off x="4877592" y="2613387"/>
+              <a:off x="5825476" y="2749477"/>
               <a:ext cx="1059562" cy="1059562"/>
             </a:xfrm>
             <a:prstGeom prst="rect">
@@ -3472,7 +3477,7 @@
           </p:blipFill>
           <p:spPr>
             <a:xfrm>
-              <a:off x="3462558" y="3719322"/>
+              <a:off x="3100701" y="2745301"/>
               <a:ext cx="1415034" cy="1415034"/>
             </a:xfrm>
             <a:prstGeom prst="rect">
@@ -3502,8 +3507,8 @@
           </p:blipFill>
           <p:spPr>
             <a:xfrm>
-              <a:off x="6113556" y="4080510"/>
-              <a:ext cx="561915" cy="692658"/>
+              <a:off x="9215834" y="4603421"/>
+              <a:ext cx="1234804" cy="1522111"/>
             </a:xfrm>
             <a:prstGeom prst="rect">
               <a:avLst/>
@@ -3532,8 +3537,8 @@
           </p:blipFill>
           <p:spPr>
             <a:xfrm>
-              <a:off x="5651942" y="5689049"/>
-              <a:ext cx="1233096" cy="413151"/>
+              <a:off x="420238" y="5533659"/>
+              <a:ext cx="1342720" cy="449881"/>
             </a:xfrm>
             <a:prstGeom prst="rect">
               <a:avLst/>
@@ -3562,7 +3567,7 @@
           </p:blipFill>
           <p:spPr>
             <a:xfrm>
-              <a:off x="4753964" y="5464333"/>
+              <a:off x="1812245" y="5455388"/>
               <a:ext cx="862584" cy="862584"/>
             </a:xfrm>
             <a:prstGeom prst="rect">
@@ -3706,7 +3711,7 @@
           </p:nvCxnSpPr>
           <p:spPr>
             <a:xfrm>
-              <a:off x="6208776" y="996696"/>
+              <a:off x="7624233" y="986019"/>
               <a:ext cx="1197864" cy="0"/>
             </a:xfrm>
             <a:prstGeom prst="straightConnector1">
@@ -3750,7 +3755,7 @@
           </p:nvCxnSpPr>
           <p:spPr>
             <a:xfrm flipH="1">
-              <a:off x="6208776" y="1295400"/>
+              <a:off x="7624233" y="1284723"/>
               <a:ext cx="1197864" cy="0"/>
             </a:xfrm>
             <a:prstGeom prst="straightConnector1">
@@ -3970,7 +3975,7 @@
           </p:nvCxnSpPr>
           <p:spPr>
             <a:xfrm>
-              <a:off x="5421493" y="1606133"/>
+              <a:off x="6369377" y="1742223"/>
               <a:ext cx="5156" cy="960120"/>
             </a:xfrm>
             <a:prstGeom prst="straightConnector1">
@@ -4014,8 +4019,8 @@
           </p:nvCxnSpPr>
           <p:spPr>
             <a:xfrm>
-              <a:off x="5811705" y="3630094"/>
-              <a:ext cx="284295" cy="450416"/>
+              <a:off x="7086580" y="3416808"/>
+              <a:ext cx="1931296" cy="1082158"/>
             </a:xfrm>
             <a:prstGeom prst="straightConnector1">
               <a:avLst/>
@@ -4058,8 +4063,8 @@
           </p:nvCxnSpPr>
           <p:spPr>
             <a:xfrm flipH="1">
-              <a:off x="4665674" y="3661681"/>
-              <a:ext cx="299518" cy="314648"/>
+              <a:off x="4664021" y="3429000"/>
+              <a:ext cx="1166545" cy="11268"/>
             </a:xfrm>
             <a:prstGeom prst="straightConnector1">
               <a:avLst/>
@@ -4102,8 +4107,8 @@
           </p:nvCxnSpPr>
           <p:spPr>
             <a:xfrm flipH="1">
-              <a:off x="4877592" y="4517137"/>
-              <a:ext cx="934113" cy="0"/>
+              <a:off x="6253655" y="5431670"/>
+              <a:ext cx="2060028" cy="0"/>
             </a:xfrm>
             <a:prstGeom prst="straightConnector1">
               <a:avLst/>
@@ -4145,9 +4150,9 @@
             <p:nvPr/>
           </p:nvCxnSpPr>
           <p:spPr>
-            <a:xfrm>
-              <a:off x="4261321" y="4924857"/>
-              <a:ext cx="317288" cy="842275"/>
+            <a:xfrm flipH="1" flipV="1">
+              <a:off x="2845009" y="5815326"/>
+              <a:ext cx="1225820" cy="6269"/>
             </a:xfrm>
             <a:prstGeom prst="straightConnector1">
               <a:avLst/>
@@ -4188,7 +4193,7 @@
           </p:nvSpPr>
           <p:spPr>
             <a:xfrm>
-              <a:off x="6158484" y="645751"/>
+              <a:off x="7573941" y="635074"/>
               <a:ext cx="1298448" cy="253916"/>
             </a:xfrm>
             <a:prstGeom prst="rect">
@@ -4223,7 +4228,7 @@
           </p:nvSpPr>
           <p:spPr>
             <a:xfrm>
-              <a:off x="6295303" y="1426007"/>
+              <a:off x="7710760" y="1415330"/>
               <a:ext cx="1450963" cy="415498"/>
             </a:xfrm>
             <a:prstGeom prst="rect">
@@ -4398,7 +4403,7 @@
           </p:nvSpPr>
           <p:spPr>
             <a:xfrm>
-              <a:off x="4578609" y="1711057"/>
+              <a:off x="6422640" y="1767232"/>
               <a:ext cx="873457" cy="738664"/>
             </a:xfrm>
             <a:prstGeom prst="rect">
@@ -4433,8 +4438,8 @@
           </p:nvSpPr>
           <p:spPr>
             <a:xfrm>
-              <a:off x="3315225" y="3086785"/>
-              <a:ext cx="1486706" cy="738664"/>
+              <a:off x="4479334" y="2547373"/>
+              <a:ext cx="1492243" cy="738664"/>
             </a:xfrm>
             <a:prstGeom prst="rect">
               <a:avLst/>
@@ -4468,8 +4473,8 @@
           </p:nvSpPr>
           <p:spPr>
             <a:xfrm>
-              <a:off x="4893941" y="4647419"/>
-              <a:ext cx="1516003" cy="577081"/>
+              <a:off x="6355257" y="5644670"/>
+              <a:ext cx="1958426" cy="415498"/>
             </a:xfrm>
             <a:prstGeom prst="rect">
               <a:avLst/>
@@ -4503,8 +4508,8 @@
           </p:nvSpPr>
           <p:spPr>
             <a:xfrm>
-              <a:off x="2876709" y="5047298"/>
-              <a:ext cx="1516003" cy="738664"/>
+              <a:off x="2839374" y="5964346"/>
+              <a:ext cx="1754899" cy="577081"/>
             </a:xfrm>
             <a:prstGeom prst="rect">
               <a:avLst/>
@@ -4519,7 +4524,7 @@
             <a:p>
               <a:r>
                 <a:rPr lang="en-US" sz="1050" dirty="0"/>
-                <a:t>Docker swarm deploys containers within a cluster across multiple VMs</a:t>
+                <a:t>Docker swarm deploys containers across a stack of replicas over multiple VMs</a:t>
               </a:r>
             </a:p>
           </p:txBody>
@@ -4538,8 +4543,8 @@
           </p:nvSpPr>
           <p:spPr>
             <a:xfrm>
-              <a:off x="5616548" y="6092550"/>
-              <a:ext cx="1516003" cy="415498"/>
+              <a:off x="489670" y="6060168"/>
+              <a:ext cx="1342720" cy="415498"/>
             </a:xfrm>
             <a:prstGeom prst="rect">
               <a:avLst/>
@@ -4573,8 +4578,8 @@
           </p:nvSpPr>
           <p:spPr>
             <a:xfrm>
-              <a:off x="6073140" y="3257690"/>
-              <a:ext cx="1679046" cy="577081"/>
+              <a:off x="7844238" y="3254672"/>
+              <a:ext cx="1778622" cy="577081"/>
             </a:xfrm>
             <a:prstGeom prst="rect">
               <a:avLst/>
@@ -4594,6 +4599,115 @@
             </a:p>
           </p:txBody>
         </p:sp>
+        <p:cxnSp>
+          <p:nvCxnSpPr>
+            <p:cNvPr id="61" name="Straight Arrow Connector 60">
+              <a:extLst>
+                <a:ext uri="{FF2B5EF4-FFF2-40B4-BE49-F238E27FC236}">
+                  <a16:creationId xmlns:a16="http://schemas.microsoft.com/office/drawing/2014/main" id="{5C2E4019-AAC3-1349-A3F3-4FF48C6C7EDB}"/>
+                </a:ext>
+              </a:extLst>
+            </p:cNvPr>
+            <p:cNvCxnSpPr>
+              <a:cxnSpLocks/>
+            </p:cNvCxnSpPr>
+            <p:nvPr/>
+          </p:nvCxnSpPr>
+          <p:spPr>
+            <a:xfrm>
+              <a:off x="4167845" y="4026540"/>
+              <a:ext cx="625638" cy="944853"/>
+            </a:xfrm>
+            <a:prstGeom prst="straightConnector1">
+              <a:avLst/>
+            </a:prstGeom>
+            <a:ln w="57150">
+              <a:solidFill>
+                <a:schemeClr val="dk1"/>
+              </a:solidFill>
+              <a:tailEnd type="triangle"/>
+            </a:ln>
+          </p:spPr>
+          <p:style>
+            <a:lnRef idx="1">
+              <a:schemeClr val="dk1"/>
+            </a:lnRef>
+            <a:fillRef idx="0">
+              <a:schemeClr val="dk1"/>
+            </a:fillRef>
+            <a:effectRef idx="0">
+              <a:schemeClr val="dk1"/>
+            </a:effectRef>
+            <a:fontRef idx="minor">
+              <a:schemeClr val="tx1"/>
+            </a:fontRef>
+          </p:style>
+        </p:cxnSp>
+        <p:sp>
+          <p:nvSpPr>
+            <p:cNvPr id="66" name="TextBox 65">
+              <a:extLst>
+                <a:ext uri="{FF2B5EF4-FFF2-40B4-BE49-F238E27FC236}">
+                  <a16:creationId xmlns:a16="http://schemas.microsoft.com/office/drawing/2014/main" id="{414D6580-0D39-C544-920F-2E5BA6162770}"/>
+                </a:ext>
+              </a:extLst>
+            </p:cNvPr>
+            <p:cNvSpPr txBox="1"/>
+            <p:nvPr/>
+          </p:nvSpPr>
+          <p:spPr>
+            <a:xfrm>
+              <a:off x="3218987" y="4314881"/>
+              <a:ext cx="1415035" cy="577081"/>
+            </a:xfrm>
+            <a:prstGeom prst="rect">
+              <a:avLst/>
+            </a:prstGeom>
+            <a:noFill/>
+          </p:spPr>
+          <p:txBody>
+            <a:bodyPr wrap="square" rtlCol="0">
+              <a:spAutoFit/>
+            </a:bodyPr>
+            <a:lstStyle/>
+            <a:p>
+              <a:r>
+                <a:rPr lang="en-US" sz="1050" dirty="0"/>
+                <a:t>Images pulled from Docker Hub to be used in docker swarm</a:t>
+              </a:r>
+            </a:p>
+          </p:txBody>
+        </p:sp>
+        <p:pic>
+          <p:nvPicPr>
+            <p:cNvPr id="45" name="Picture 44">
+              <a:extLst>
+                <a:ext uri="{FF2B5EF4-FFF2-40B4-BE49-F238E27FC236}">
+                  <a16:creationId xmlns:a16="http://schemas.microsoft.com/office/drawing/2014/main" id="{404E3CC8-4665-D141-A5A2-8A624864F24F}"/>
+                </a:ext>
+              </a:extLst>
+            </p:cNvPr>
+            <p:cNvPicPr>
+              <a:picLocks noChangeAspect="1"/>
+            </p:cNvPicPr>
+            <p:nvPr/>
+          </p:nvPicPr>
+          <p:blipFill>
+            <a:blip r:embed="rId13"/>
+            <a:stretch>
+              <a:fillRect/>
+            </a:stretch>
+          </p:blipFill>
+          <p:spPr>
+            <a:xfrm>
+              <a:off x="4348577" y="5024600"/>
+              <a:ext cx="1714337" cy="1428614"/>
+            </a:xfrm>
+            <a:prstGeom prst="rect">
+              <a:avLst/>
+            </a:prstGeom>
+          </p:spPr>
+        </p:pic>
       </p:grpSp>
     </p:spTree>
     <p:extLst>
